--- a/deliverables/case/Study_Case.pptx
+++ b/deliverables/case/Study_Case.pptx
@@ -26,7 +26,7 @@
   <p:notesSz cx="7315200" cy="9601200"/>
   <p:embeddedFontLst>
     <p:embeddedFont>
-      <p:font typeface="Roboto" panose="020B0604020202020204" charset="0"/>
+      <p:font typeface="Calibri" panose="020F0502020204030204" pitchFamily="34" charset="0"/>
       <p:regular r:id="rId16"/>
       <p:bold r:id="rId17"/>
       <p:italic r:id="rId18"/>
@@ -36,13 +36,6 @@
       <p:font typeface="Calibri Light" panose="020F0302020204030204" pitchFamily="34" charset="0"/>
       <p:regular r:id="rId20"/>
       <p:italic r:id="rId21"/>
-    </p:embeddedFont>
-    <p:embeddedFont>
-      <p:font typeface="Calibri" panose="020F0502020204030204" pitchFamily="34" charset="0"/>
-      <p:regular r:id="rId22"/>
-      <p:bold r:id="rId23"/>
-      <p:italic r:id="rId24"/>
-      <p:boldItalic r:id="rId25"/>
     </p:embeddedFont>
   </p:embeddedFontLst>
   <p:defaultTextStyle>
@@ -279,7 +272,7 @@
       <p15:sldGuideLst xmlns:p15="http://schemas.microsoft.com/office/powerpoint/2012/main"/>
     </p:ext>
     <p:ext uri="GoogleSlidesCustomDataVersion2">
-      <go:slidesCustomData xmlns="" xmlns:mc="http://schemas.openxmlformats.org/markup-compatibility/2006" xmlns:mv="urn:schemas-microsoft-com:mac:vml" xmlns:c="http://schemas.openxmlformats.org/drawingml/2006/chart" xmlns:dgm="http://schemas.openxmlformats.org/drawingml/2006/diagram" xmlns:o="urn:schemas-microsoft-com:office:office" xmlns:v="urn:schemas-microsoft-com:vml" xmlns:pvml="urn:schemas-microsoft-com:office:powerpoint" xmlns:com="http://schemas.openxmlformats.org/drawingml/2006/compatibility" xmlns:p14="http://schemas.microsoft.com/office/powerpoint/2010/main" xmlns:p15="http://schemas.microsoft.com/office/powerpoint/2012/main" xmlns:ahyp="http://schemas.microsoft.com/office/drawing/2018/hyperlinkcolor" xmlns:go="http://customooxmlschemas.google.com/" r:id="rId59" roundtripDataSignature="AMtx7miLeXnOSC5te5iCEYk6nTYXxnMUew=="/>
+      <go:slidesCustomData xmlns:go="http://customooxmlschemas.google.com/" xmlns:ahyp="http://schemas.microsoft.com/office/drawing/2018/hyperlinkcolor" xmlns:p15="http://schemas.microsoft.com/office/powerpoint/2012/main" xmlns:p14="http://schemas.microsoft.com/office/powerpoint/2010/main" xmlns:com="http://schemas.openxmlformats.org/drawingml/2006/compatibility" xmlns:pvml="urn:schemas-microsoft-com:office:powerpoint" xmlns:v="urn:schemas-microsoft-com:vml" xmlns:o="urn:schemas-microsoft-com:office:office" xmlns:dgm="http://schemas.openxmlformats.org/drawingml/2006/diagram" xmlns:c="http://schemas.openxmlformats.org/drawingml/2006/chart" xmlns:mv="urn:schemas-microsoft-com:mac:vml" xmlns:mc="http://schemas.openxmlformats.org/markup-compatibility/2006" xmlns="" r:id="rId59" roundtripDataSignature="AMtx7miLeXnOSC5te5iCEYk6nTYXxnMUew=="/>
     </p:ext>
   </p:extLst>
 </p:presentation>
@@ -13539,7 +13532,7 @@
                 </a:solidFill>
               </a:rPr>
               <a:pPr/>
-              <a:t>10/21/2024</a:t>
+              <a:t>1/14/2025</a:t>
             </a:fld>
             <a:endParaRPr lang="en-US" dirty="0">
               <a:solidFill>
@@ -13741,7 +13734,7 @@
                 </a:solidFill>
               </a:rPr>
               <a:pPr/>
-              <a:t>10/21/2024</a:t>
+              <a:t>1/14/2025</a:t>
             </a:fld>
             <a:endParaRPr lang="en-US" dirty="0">
               <a:solidFill>
@@ -14019,7 +14012,7 @@
                 </a:solidFill>
               </a:rPr>
               <a:pPr/>
-              <a:t>10/21/2024</a:t>
+              <a:t>1/14/2025</a:t>
             </a:fld>
             <a:endParaRPr lang="en-US" dirty="0">
               <a:solidFill>
@@ -14283,7 +14276,7 @@
                 </a:solidFill>
               </a:rPr>
               <a:pPr/>
-              <a:t>10/21/2024</a:t>
+              <a:t>1/14/2025</a:t>
             </a:fld>
             <a:endParaRPr lang="en-US" dirty="0">
               <a:solidFill>
@@ -15434,7 +15427,7 @@
                 </a:solidFill>
               </a:rPr>
               <a:pPr/>
-              <a:t>10/21/2024</a:t>
+              <a:t>1/14/2025</a:t>
             </a:fld>
             <a:endParaRPr lang="en-US" dirty="0">
               <a:solidFill>
@@ -15584,7 +15577,7 @@
                 </a:solidFill>
               </a:rPr>
               <a:pPr/>
-              <a:t>10/21/2024</a:t>
+              <a:t>1/14/2025</a:t>
             </a:fld>
             <a:endParaRPr lang="en-US" dirty="0">
               <a:solidFill>
@@ -15711,7 +15704,7 @@
                 </a:solidFill>
               </a:rPr>
               <a:pPr/>
-              <a:t>10/21/2024</a:t>
+              <a:t>1/14/2025</a:t>
             </a:fld>
             <a:endParaRPr lang="en-US" dirty="0">
               <a:solidFill>
@@ -16020,7 +16013,7 @@
                 </a:solidFill>
               </a:rPr>
               <a:pPr/>
-              <a:t>10/21/2024</a:t>
+              <a:t>1/14/2025</a:t>
             </a:fld>
             <a:endParaRPr lang="en-US" dirty="0">
               <a:solidFill>
@@ -16305,7 +16298,7 @@
                 </a:solidFill>
               </a:rPr>
               <a:pPr/>
-              <a:t>10/21/2024</a:t>
+              <a:t>1/14/2025</a:t>
             </a:fld>
             <a:endParaRPr lang="en-US" dirty="0">
               <a:solidFill>
@@ -16507,7 +16500,7 @@
                 </a:solidFill>
               </a:rPr>
               <a:pPr/>
-              <a:t>10/21/2024</a:t>
+              <a:t>1/14/2025</a:t>
             </a:fld>
             <a:endParaRPr lang="en-US" dirty="0">
               <a:solidFill>
@@ -16719,7 +16712,7 @@
                 </a:solidFill>
               </a:rPr>
               <a:pPr/>
-              <a:t>10/21/2024</a:t>
+              <a:t>1/14/2025</a:t>
             </a:fld>
             <a:endParaRPr lang="en-US" dirty="0">
               <a:solidFill>
@@ -25673,7 +25666,7 @@
               </a14:hiddenLine>
             </a:ext>
             <a:ext uri="{FAA26D3D-D897-4be2-8F04-BA451C77F1D7}">
-              <ma14:placeholderFlag xmlns:ma14="http://schemas.microsoft.com/office/mac/drawingml/2011/main" xmlns="" val="1"/>
+              <ma14:placeholderFlag xmlns="" xmlns:ma14="http://schemas.microsoft.com/office/mac/drawingml/2011/main" val="1"/>
             </a:ext>
           </a:extLst>
         </p:spPr>
@@ -25735,7 +25728,7 @@
               </a14:hiddenLine>
             </a:ext>
             <a:ext uri="{FAA26D3D-D897-4be2-8F04-BA451C77F1D7}">
-              <ma14:placeholderFlag xmlns:ma14="http://schemas.microsoft.com/office/mac/drawingml/2011/main" xmlns="" val="1"/>
+              <ma14:placeholderFlag xmlns="" xmlns:ma14="http://schemas.microsoft.com/office/mac/drawingml/2011/main" val="1"/>
             </a:ext>
           </a:extLst>
         </p:spPr>
@@ -27184,7 +27177,7 @@
               <a:pPr defTabSz="609515">
                 <a:buClrTx/>
               </a:pPr>
-              <a:t>10/21/2024</a:t>
+              <a:t>1/14/2025</a:t>
             </a:fld>
             <a:endParaRPr lang="en-US" kern="1200" dirty="0">
               <a:solidFill>
@@ -29080,68 +29073,6 @@
           </a:p>
         </p:txBody>
       </p:sp>
-      <p:sp>
-        <p:nvSpPr>
-          <p:cNvPr id="39" name="Google Shape;1411;g1ff44426bc5_3_1346"/>
-          <p:cNvSpPr/>
-          <p:nvPr/>
-        </p:nvSpPr>
-        <p:spPr>
-          <a:xfrm>
-            <a:off x="10542085" y="5308679"/>
-            <a:ext cx="1035600" cy="1035600"/>
-          </a:xfrm>
-          <a:prstGeom prst="ellipse">
-            <a:avLst/>
-          </a:prstGeom>
-          <a:solidFill>
-            <a:srgbClr val="0B66AE"/>
-          </a:solidFill>
-          <a:ln>
-            <a:noFill/>
-          </a:ln>
-        </p:spPr>
-        <p:txBody>
-          <a:bodyPr spcFirstLastPara="1" wrap="square" lIns="91425" tIns="45700" rIns="91425" bIns="45700" anchor="ctr" anchorCtr="0">
-            <a:noAutofit/>
-          </a:bodyPr>
-          <a:lstStyle/>
-          <a:p>
-            <a:pPr marL="0" marR="0" lvl="0" indent="0" algn="ctr" defTabSz="914400" eaLnBrk="1" fontAlgn="auto" latinLnBrk="0" hangingPunct="1">
-              <a:lnSpc>
-                <a:spcPct val="100000"/>
-              </a:lnSpc>
-              <a:spcBef>
-                <a:spcPts val="0"/>
-              </a:spcBef>
-              <a:spcAft>
-                <a:spcPts val="0"/>
-              </a:spcAft>
-              <a:buClrTx/>
-              <a:buSzTx/>
-              <a:buFontTx/>
-              <a:buNone/>
-              <a:tabLst/>
-              <a:defRPr/>
-            </a:pPr>
-            <a:endParaRPr kumimoji="0" sz="1800" b="0" i="0" u="none" strike="noStrike" kern="0" cap="none" spc="0" normalizeH="0" baseline="0" noProof="0" dirty="0" smtClean="0">
-              <a:ln>
-                <a:noFill/>
-              </a:ln>
-              <a:solidFill>
-                <a:srgbClr val="FFFFFF"/>
-              </a:solidFill>
-              <a:effectLst/>
-              <a:uLnTx/>
-              <a:uFillTx/>
-              <a:latin typeface="Roboto"/>
-              <a:ea typeface="Roboto"/>
-              <a:cs typeface="Roboto"/>
-              <a:sym typeface="Roboto"/>
-            </a:endParaRPr>
-          </a:p>
-        </p:txBody>
-      </p:sp>
       <p:pic>
         <p:nvPicPr>
           <p:cNvPr id="40" name="Google Shape;1420;g1ff44426bc5_3_1346"/>
@@ -29167,101 +29098,6 @@
           <a:ln>
             <a:noFill/>
           </a:ln>
-        </p:spPr>
-      </p:pic>
-      <p:sp>
-        <p:nvSpPr>
-          <p:cNvPr id="41" name="Google Shape;1377;p1"/>
-          <p:cNvSpPr txBox="1">
-            <a:spLocks noGrp="1"/>
-          </p:cNvSpPr>
-          <p:nvPr>
-            <p:ph type="body" idx="2"/>
-          </p:nvPr>
-        </p:nvSpPr>
-        <p:spPr>
-          <a:xfrm>
-            <a:off x="175632" y="5553778"/>
-            <a:ext cx="7304088" cy="384175"/>
-          </a:xfrm>
-          <a:prstGeom prst="rect">
-            <a:avLst/>
-          </a:prstGeom>
-          <a:noFill/>
-          <a:ln>
-            <a:noFill/>
-          </a:ln>
-        </p:spPr>
-        <p:txBody>
-          <a:bodyPr spcFirstLastPara="1" wrap="square" lIns="0" tIns="0" rIns="0" bIns="0" anchor="t" anchorCtr="0">
-            <a:noAutofit/>
-          </a:bodyPr>
-          <a:lstStyle/>
-          <a:p>
-            <a:pPr marL="0" lvl="0" indent="0" algn="l" rtl="0">
-              <a:spcBef>
-                <a:spcPts val="0"/>
-              </a:spcBef>
-              <a:spcAft>
-                <a:spcPts val="0"/>
-              </a:spcAft>
-              <a:buClr>
-                <a:schemeClr val="lt1"/>
-              </a:buClr>
-              <a:buSzPts val="2000"/>
-              <a:buNone/>
-            </a:pPr>
-            <a:r>
-              <a:rPr lang="en-US" sz="1800" b="1" dirty="0" smtClean="0">
-                <a:solidFill>
-                  <a:schemeClr val="bg1"/>
-                </a:solidFill>
-              </a:rPr>
-              <a:t>October 2024</a:t>
-            </a:r>
-            <a:endParaRPr sz="1800" b="1" dirty="0">
-              <a:solidFill>
-                <a:schemeClr val="bg1"/>
-              </a:solidFill>
-            </a:endParaRPr>
-          </a:p>
-        </p:txBody>
-      </p:sp>
-      <p:pic>
-        <p:nvPicPr>
-          <p:cNvPr id="8" name="Picture 7"/>
-          <p:cNvPicPr>
-            <a:picLocks noChangeAspect="1"/>
-          </p:cNvPicPr>
-          <p:nvPr/>
-        </p:nvPicPr>
-        <p:blipFill>
-          <a:blip r:embed="rId3"/>
-          <a:stretch>
-            <a:fillRect/>
-          </a:stretch>
-        </p:blipFill>
-        <p:spPr>
-          <a:xfrm>
-            <a:off x="349655" y="280816"/>
-            <a:ext cx="2027096" cy="823031"/>
-          </a:xfrm>
-          <a:prstGeom prst="roundRect">
-            <a:avLst>
-              <a:gd name="adj" fmla="val 8594"/>
-            </a:avLst>
-          </a:prstGeom>
-          <a:solidFill>
-            <a:srgbClr val="FFFFFF">
-              <a:shade val="85000"/>
-            </a:srgbClr>
-          </a:solidFill>
-          <a:ln>
-            <a:noFill/>
-          </a:ln>
-          <a:effectLst>
-            <a:reflection blurRad="12700" stA="38000" endPos="28000" dist="5000" dir="5400000" sy="-100000" algn="bl" rotWithShape="0"/>
-          </a:effectLst>
         </p:spPr>
       </p:pic>
     </p:spTree>
@@ -29768,43 +29604,6 @@
           </a:p>
         </p:txBody>
       </p:sp>
-      <p:pic>
-        <p:nvPicPr>
-          <p:cNvPr id="6" name="Picture 5"/>
-          <p:cNvPicPr>
-            <a:picLocks noChangeAspect="1"/>
-          </p:cNvPicPr>
-          <p:nvPr/>
-        </p:nvPicPr>
-        <p:blipFill>
-          <a:blip r:embed="rId2"/>
-          <a:stretch>
-            <a:fillRect/>
-          </a:stretch>
-        </p:blipFill>
-        <p:spPr>
-          <a:xfrm>
-            <a:off x="10857203" y="163499"/>
-            <a:ext cx="993193" cy="403251"/>
-          </a:xfrm>
-          <a:prstGeom prst="roundRect">
-            <a:avLst>
-              <a:gd name="adj" fmla="val 8594"/>
-            </a:avLst>
-          </a:prstGeom>
-          <a:solidFill>
-            <a:srgbClr val="FFFFFF">
-              <a:shade val="85000"/>
-            </a:srgbClr>
-          </a:solidFill>
-          <a:ln>
-            <a:noFill/>
-          </a:ln>
-          <a:effectLst>
-            <a:reflection blurRad="12700" stA="38000" endPos="28000" dist="5000" dir="5400000" sy="-100000" algn="bl" rotWithShape="0"/>
-          </a:effectLst>
-        </p:spPr>
-      </p:pic>
     </p:spTree>
     <p:extLst>
       <p:ext uri="{BB962C8B-B14F-4D97-AF65-F5344CB8AC3E}">
@@ -33065,7 +32864,7 @@
               </a:ln>
               <a:extLst>
                 <a:ext uri="{C572A759-6A51-4108-AA02-DFA0A04FC94B}">
-                  <ma14:wrappingTextBoxFlag xmlns="" xmlns:ma14="http://schemas.microsoft.com/office/mac/drawingml/2011/main" val="1"/>
+                  <ma14:wrappingTextBoxFlag xmlns:ma14="http://schemas.microsoft.com/office/mac/drawingml/2011/main" xmlns="" val="1"/>
                 </a:ext>
               </a:extLst>
             </p:spPr>
@@ -33249,7 +33048,7 @@
               </a:ln>
               <a:extLst>
                 <a:ext uri="{C572A759-6A51-4108-AA02-DFA0A04FC94B}">
-                  <ma14:wrappingTextBoxFlag xmlns="" xmlns:ma14="http://schemas.microsoft.com/office/mac/drawingml/2011/main" val="1"/>
+                  <ma14:wrappingTextBoxFlag xmlns:ma14="http://schemas.microsoft.com/office/mac/drawingml/2011/main" xmlns="" val="1"/>
                 </a:ext>
               </a:extLst>
             </p:spPr>
@@ -33438,7 +33237,7 @@
               </a:ln>
               <a:extLst>
                 <a:ext uri="{C572A759-6A51-4108-AA02-DFA0A04FC94B}">
-                  <ma14:wrappingTextBoxFlag xmlns="" xmlns:ma14="http://schemas.microsoft.com/office/mac/drawingml/2011/main" val="1"/>
+                  <ma14:wrappingTextBoxFlag xmlns:ma14="http://schemas.microsoft.com/office/mac/drawingml/2011/main" xmlns="" val="1"/>
                 </a:ext>
               </a:extLst>
             </p:spPr>
@@ -33619,7 +33418,7 @@
               </a:ln>
               <a:extLst>
                 <a:ext uri="{C572A759-6A51-4108-AA02-DFA0A04FC94B}">
-                  <ma14:wrappingTextBoxFlag xmlns="" xmlns:ma14="http://schemas.microsoft.com/office/mac/drawingml/2011/main" val="1"/>
+                  <ma14:wrappingTextBoxFlag xmlns:ma14="http://schemas.microsoft.com/office/mac/drawingml/2011/main" xmlns="" val="1"/>
                 </a:ext>
               </a:extLst>
             </p:spPr>
@@ -34376,11 +34175,6 @@
               </a:rPr>
               <a:t>: Enhanced data stewardship.</a:t>
             </a:r>
-            <a:endParaRPr lang="en-US" sz="1800" dirty="0">
-              <a:solidFill>
-                <a:srgbClr val="7030A0"/>
-              </a:solidFill>
-            </a:endParaRPr>
           </a:p>
         </p:txBody>
       </p:sp>
@@ -34416,43 +34210,6 @@
           </a:p>
         </p:txBody>
       </p:sp>
-      <p:pic>
-        <p:nvPicPr>
-          <p:cNvPr id="6" name="Picture 5"/>
-          <p:cNvPicPr>
-            <a:picLocks noChangeAspect="1"/>
-          </p:cNvPicPr>
-          <p:nvPr/>
-        </p:nvPicPr>
-        <p:blipFill>
-          <a:blip r:embed="rId2"/>
-          <a:stretch>
-            <a:fillRect/>
-          </a:stretch>
-        </p:blipFill>
-        <p:spPr>
-          <a:xfrm>
-            <a:off x="11009602" y="217721"/>
-            <a:ext cx="993193" cy="403251"/>
-          </a:xfrm>
-          <a:prstGeom prst="roundRect">
-            <a:avLst>
-              <a:gd name="adj" fmla="val 8594"/>
-            </a:avLst>
-          </a:prstGeom>
-          <a:solidFill>
-            <a:srgbClr val="FFFFFF">
-              <a:shade val="85000"/>
-            </a:srgbClr>
-          </a:solidFill>
-          <a:ln>
-            <a:noFill/>
-          </a:ln>
-          <a:effectLst>
-            <a:reflection blurRad="12700" stA="38000" endPos="28000" dist="5000" dir="5400000" sy="-100000" algn="bl" rotWithShape="0"/>
-          </a:effectLst>
-        </p:spPr>
-      </p:pic>
     </p:spTree>
     <p:extLst>
       <p:ext uri="{BB962C8B-B14F-4D97-AF65-F5344CB8AC3E}">
@@ -34743,43 +34500,6 @@
           </a:p>
         </p:txBody>
       </p:sp>
-      <p:pic>
-        <p:nvPicPr>
-          <p:cNvPr id="7" name="Picture 6"/>
-          <p:cNvPicPr>
-            <a:picLocks noChangeAspect="1"/>
-          </p:cNvPicPr>
-          <p:nvPr/>
-        </p:nvPicPr>
-        <p:blipFill>
-          <a:blip r:embed="rId2"/>
-          <a:stretch>
-            <a:fillRect/>
-          </a:stretch>
-        </p:blipFill>
-        <p:spPr>
-          <a:xfrm>
-            <a:off x="11009602" y="217721"/>
-            <a:ext cx="993193" cy="403251"/>
-          </a:xfrm>
-          <a:prstGeom prst="roundRect">
-            <a:avLst>
-              <a:gd name="adj" fmla="val 8594"/>
-            </a:avLst>
-          </a:prstGeom>
-          <a:solidFill>
-            <a:srgbClr val="FFFFFF">
-              <a:shade val="85000"/>
-            </a:srgbClr>
-          </a:solidFill>
-          <a:ln>
-            <a:noFill/>
-          </a:ln>
-          <a:effectLst>
-            <a:reflection blurRad="12700" stA="38000" endPos="28000" dist="5000" dir="5400000" sy="-100000" algn="bl" rotWithShape="0"/>
-          </a:effectLst>
-        </p:spPr>
-      </p:pic>
     </p:spTree>
     <p:extLst>
       <p:ext uri="{BB962C8B-B14F-4D97-AF65-F5344CB8AC3E}">
@@ -35019,43 +34739,6 @@
           </a:p>
         </p:txBody>
       </p:sp>
-      <p:pic>
-        <p:nvPicPr>
-          <p:cNvPr id="6" name="Picture 5"/>
-          <p:cNvPicPr>
-            <a:picLocks noChangeAspect="1"/>
-          </p:cNvPicPr>
-          <p:nvPr/>
-        </p:nvPicPr>
-        <p:blipFill>
-          <a:blip r:embed="rId2"/>
-          <a:stretch>
-            <a:fillRect/>
-          </a:stretch>
-        </p:blipFill>
-        <p:spPr>
-          <a:xfrm>
-            <a:off x="11009602" y="217721"/>
-            <a:ext cx="993193" cy="403251"/>
-          </a:xfrm>
-          <a:prstGeom prst="roundRect">
-            <a:avLst>
-              <a:gd name="adj" fmla="val 8594"/>
-            </a:avLst>
-          </a:prstGeom>
-          <a:solidFill>
-            <a:srgbClr val="FFFFFF">
-              <a:shade val="85000"/>
-            </a:srgbClr>
-          </a:solidFill>
-          <a:ln>
-            <a:noFill/>
-          </a:ln>
-          <a:effectLst>
-            <a:reflection blurRad="12700" stA="38000" endPos="28000" dist="5000" dir="5400000" sy="-100000" algn="bl" rotWithShape="0"/>
-          </a:effectLst>
-        </p:spPr>
-      </p:pic>
     </p:spTree>
     <p:extLst>
       <p:ext uri="{BB962C8B-B14F-4D97-AF65-F5344CB8AC3E}">
@@ -35243,43 +34926,6 @@
           </a:p>
         </p:txBody>
       </p:sp>
-      <p:pic>
-        <p:nvPicPr>
-          <p:cNvPr id="10" name="Picture 9"/>
-          <p:cNvPicPr>
-            <a:picLocks noChangeAspect="1"/>
-          </p:cNvPicPr>
-          <p:nvPr/>
-        </p:nvPicPr>
-        <p:blipFill>
-          <a:blip r:embed="rId2"/>
-          <a:stretch>
-            <a:fillRect/>
-          </a:stretch>
-        </p:blipFill>
-        <p:spPr>
-          <a:xfrm>
-            <a:off x="11009602" y="217721"/>
-            <a:ext cx="993193" cy="403251"/>
-          </a:xfrm>
-          <a:prstGeom prst="roundRect">
-            <a:avLst>
-              <a:gd name="adj" fmla="val 8594"/>
-            </a:avLst>
-          </a:prstGeom>
-          <a:solidFill>
-            <a:srgbClr val="FFFFFF">
-              <a:shade val="85000"/>
-            </a:srgbClr>
-          </a:solidFill>
-          <a:ln>
-            <a:noFill/>
-          </a:ln>
-          <a:effectLst>
-            <a:reflection blurRad="12700" stA="38000" endPos="28000" dist="5000" dir="5400000" sy="-100000" algn="bl" rotWithShape="0"/>
-          </a:effectLst>
-        </p:spPr>
-      </p:pic>
     </p:spTree>
     <p:extLst>
       <p:ext uri="{BB962C8B-B14F-4D97-AF65-F5344CB8AC3E}">
@@ -35340,43 +34986,6 @@
           </a:p>
         </p:txBody>
       </p:sp>
-      <p:pic>
-        <p:nvPicPr>
-          <p:cNvPr id="9" name="Picture 8"/>
-          <p:cNvPicPr>
-            <a:picLocks noChangeAspect="1"/>
-          </p:cNvPicPr>
-          <p:nvPr/>
-        </p:nvPicPr>
-        <p:blipFill>
-          <a:blip r:embed="rId2"/>
-          <a:stretch>
-            <a:fillRect/>
-          </a:stretch>
-        </p:blipFill>
-        <p:spPr>
-          <a:xfrm>
-            <a:off x="11009602" y="217721"/>
-            <a:ext cx="993193" cy="403251"/>
-          </a:xfrm>
-          <a:prstGeom prst="roundRect">
-            <a:avLst>
-              <a:gd name="adj" fmla="val 8594"/>
-            </a:avLst>
-          </a:prstGeom>
-          <a:solidFill>
-            <a:srgbClr val="FFFFFF">
-              <a:shade val="85000"/>
-            </a:srgbClr>
-          </a:solidFill>
-          <a:ln>
-            <a:noFill/>
-          </a:ln>
-          <a:effectLst>
-            <a:reflection blurRad="12700" stA="38000" endPos="28000" dist="5000" dir="5400000" sy="-100000" algn="bl" rotWithShape="0"/>
-          </a:effectLst>
-        </p:spPr>
-      </p:pic>
       <p:grpSp>
         <p:nvGrpSpPr>
           <p:cNvPr id="11" name="Group 10"/>
@@ -38020,7 +37629,6 @@
               <a:rPr lang="en-US" sz="1800" dirty="0"/>
               <a:t>: Integrated data pipelines.</a:t>
             </a:r>
-            <a:endParaRPr lang="en-US" sz="1800" dirty="0"/>
           </a:p>
         </p:txBody>
       </p:sp>
@@ -38073,43 +37681,6 @@
           </a:p>
         </p:txBody>
       </p:sp>
-      <p:pic>
-        <p:nvPicPr>
-          <p:cNvPr id="11" name="Picture 10"/>
-          <p:cNvPicPr>
-            <a:picLocks noChangeAspect="1"/>
-          </p:cNvPicPr>
-          <p:nvPr/>
-        </p:nvPicPr>
-        <p:blipFill>
-          <a:blip r:embed="rId2"/>
-          <a:stretch>
-            <a:fillRect/>
-          </a:stretch>
-        </p:blipFill>
-        <p:spPr>
-          <a:xfrm>
-            <a:off x="11009602" y="217721"/>
-            <a:ext cx="993193" cy="403251"/>
-          </a:xfrm>
-          <a:prstGeom prst="roundRect">
-            <a:avLst>
-              <a:gd name="adj" fmla="val 8594"/>
-            </a:avLst>
-          </a:prstGeom>
-          <a:solidFill>
-            <a:srgbClr val="FFFFFF">
-              <a:shade val="85000"/>
-            </a:srgbClr>
-          </a:solidFill>
-          <a:ln>
-            <a:noFill/>
-          </a:ln>
-          <a:effectLst>
-            <a:reflection blurRad="12700" stA="38000" endPos="28000" dist="5000" dir="5400000" sy="-100000" algn="bl" rotWithShape="0"/>
-          </a:effectLst>
-        </p:spPr>
-      </p:pic>
     </p:spTree>
     <p:extLst>
       <p:ext uri="{BB962C8B-B14F-4D97-AF65-F5344CB8AC3E}">
